--- a/Entrega01.pptx
+++ b/Entrega01.pptx
@@ -4363,7 +4363,7 @@
           <a:p>
             <a:fld id="{DDD670B3-E2EA-4637-9A35-A3F69C814A4D}" type="datetimeFigureOut">
               <a:rPr lang="pt-BR" smtClean="0"/>
-              <a:t>21/08/2017</a:t>
+              <a:t>22/08/2017</a:t>
             </a:fld>
             <a:endParaRPr lang="pt-BR"/>
           </a:p>
@@ -4577,7 +4577,7 @@
           <a:p>
             <a:fld id="{DDD670B3-E2EA-4637-9A35-A3F69C814A4D}" type="datetimeFigureOut">
               <a:rPr lang="pt-BR" smtClean="0"/>
-              <a:t>21/08/2017</a:t>
+              <a:t>22/08/2017</a:t>
             </a:fld>
             <a:endParaRPr lang="pt-BR"/>
           </a:p>
@@ -4801,7 +4801,7 @@
           <a:p>
             <a:fld id="{DDD670B3-E2EA-4637-9A35-A3F69C814A4D}" type="datetimeFigureOut">
               <a:rPr lang="pt-BR" smtClean="0"/>
-              <a:t>21/08/2017</a:t>
+              <a:t>22/08/2017</a:t>
             </a:fld>
             <a:endParaRPr lang="pt-BR"/>
           </a:p>
@@ -5015,7 +5015,7 @@
           <a:p>
             <a:fld id="{DDD670B3-E2EA-4637-9A35-A3F69C814A4D}" type="datetimeFigureOut">
               <a:rPr lang="pt-BR" smtClean="0"/>
-              <a:t>21/08/2017</a:t>
+              <a:t>22/08/2017</a:t>
             </a:fld>
             <a:endParaRPr lang="pt-BR"/>
           </a:p>
@@ -5305,7 +5305,7 @@
           <a:p>
             <a:fld id="{DDD670B3-E2EA-4637-9A35-A3F69C814A4D}" type="datetimeFigureOut">
               <a:rPr lang="pt-BR" smtClean="0"/>
-              <a:t>21/08/2017</a:t>
+              <a:t>22/08/2017</a:t>
             </a:fld>
             <a:endParaRPr lang="pt-BR"/>
           </a:p>
@@ -5581,7 +5581,7 @@
           <a:p>
             <a:fld id="{DDD670B3-E2EA-4637-9A35-A3F69C814A4D}" type="datetimeFigureOut">
               <a:rPr lang="pt-BR" smtClean="0"/>
-              <a:t>21/08/2017</a:t>
+              <a:t>22/08/2017</a:t>
             </a:fld>
             <a:endParaRPr lang="pt-BR"/>
           </a:p>
@@ -5992,7 +5992,7 @@
           <a:p>
             <a:fld id="{DDD670B3-E2EA-4637-9A35-A3F69C814A4D}" type="datetimeFigureOut">
               <a:rPr lang="pt-BR" smtClean="0"/>
-              <a:t>21/08/2017</a:t>
+              <a:t>22/08/2017</a:t>
             </a:fld>
             <a:endParaRPr lang="pt-BR"/>
           </a:p>
@@ -6154,7 +6154,7 @@
           <a:p>
             <a:fld id="{DDD670B3-E2EA-4637-9A35-A3F69C814A4D}" type="datetimeFigureOut">
               <a:rPr lang="pt-BR" smtClean="0"/>
-              <a:t>21/08/2017</a:t>
+              <a:t>22/08/2017</a:t>
             </a:fld>
             <a:endParaRPr lang="pt-BR"/>
           </a:p>
@@ -6293,7 +6293,7 @@
           <a:p>
             <a:fld id="{DDD670B3-E2EA-4637-9A35-A3F69C814A4D}" type="datetimeFigureOut">
               <a:rPr lang="pt-BR" smtClean="0"/>
-              <a:t>21/08/2017</a:t>
+              <a:t>22/08/2017</a:t>
             </a:fld>
             <a:endParaRPr lang="pt-BR"/>
           </a:p>
@@ -6614,7 +6614,7 @@
           <a:p>
             <a:fld id="{DDD670B3-E2EA-4637-9A35-A3F69C814A4D}" type="datetimeFigureOut">
               <a:rPr lang="pt-BR" smtClean="0"/>
-              <a:t>21/08/2017</a:t>
+              <a:t>22/08/2017</a:t>
             </a:fld>
             <a:endParaRPr lang="pt-BR"/>
           </a:p>
@@ -6915,7 +6915,7 @@
           <a:p>
             <a:fld id="{DDD670B3-E2EA-4637-9A35-A3F69C814A4D}" type="datetimeFigureOut">
               <a:rPr lang="pt-BR" smtClean="0"/>
-              <a:t>21/08/2017</a:t>
+              <a:t>22/08/2017</a:t>
             </a:fld>
             <a:endParaRPr lang="pt-BR"/>
           </a:p>
@@ -7172,7 +7172,7 @@
           <a:p>
             <a:fld id="{DDD670B3-E2EA-4637-9A35-A3F69C814A4D}" type="datetimeFigureOut">
               <a:rPr lang="pt-BR" smtClean="0"/>
-              <a:t>21/08/2017</a:t>
+              <a:t>22/08/2017</a:t>
             </a:fld>
             <a:endParaRPr lang="pt-BR"/>
           </a:p>
@@ -9098,12 +9098,12 @@
               <a:t>Equipe: </a:t>
             </a:r>
             <a:r>
-              <a:rPr lang="pt-BR" dirty="0" err="1">
+              <a:rPr lang="pt-BR">
                 <a:solidFill>
                   <a:srgbClr val="FF0000"/>
                 </a:solidFill>
               </a:rPr>
-              <a:t>Xanaína</a:t>
+              <a:t>DesignTech</a:t>
             </a:r>
             <a:endParaRPr lang="pt-BR" dirty="0"/>
           </a:p>
@@ -9919,7 +9919,7 @@
         <p:spPr>
           <a:xfrm>
             <a:off x="279400" y="908111"/>
-            <a:ext cx="4324350" cy="4524315"/>
+            <a:ext cx="4324350" cy="3970318"/>
           </a:xfrm>
           <a:prstGeom prst="rect">
             <a:avLst/>
@@ -10013,22 +10013,18 @@
             </a:r>
           </a:p>
           <a:p>
+            <a:endParaRPr lang="pt-BR" dirty="0"/>
+          </a:p>
+          <a:p>
             <a:pPr marL="285750" indent="-285750">
               <a:buFont typeface="Arial" panose="020B0604020202020204" pitchFamily="34" charset="0"/>
               <a:buChar char="•"/>
             </a:pPr>
-            <a:endParaRPr lang="pt-BR" dirty="0"/>
-          </a:p>
-          <a:p>
-            <a:pPr marL="285750" indent="-285750">
-              <a:buFont typeface="Arial" panose="020B0604020202020204" pitchFamily="34" charset="0"/>
-              <a:buChar char="•"/>
-            </a:pPr>
             <a:r>
               <a:rPr lang="pt-BR" dirty="0">
                 <a:hlinkClick r:id="rId3"/>
               </a:rPr>
-              <a:t>https://www.optimalworkshop.com/treejack/g08m5657/8y68u8ry/shared-results/l52w0l81slb1x5zefg64mnaw0j565g2y</a:t>
+              <a:t>https://e340k072.optimalworkshop.com/treejack/2y266xui</a:t>
             </a:r>
             <a:r>
               <a:rPr lang="pt-BR" dirty="0"/>
